--- a/Documentation/Writing/EndPointURLImageCreation.pptx
+++ b/Documentation/Writing/EndPointURLImageCreation.pptx
@@ -6,6 +6,8 @@
   </p:sldMasterIdLst>
   <p:sldIdLst>
     <p:sldId id="256" r:id="rId2"/>
+    <p:sldId id="257" r:id="rId3"/>
+    <p:sldId id="258" r:id="rId4"/>
   </p:sldIdLst>
   <p:sldSz cx="12192000" cy="6858000"/>
   <p:notesSz cx="6858000" cy="9144000"/>
@@ -104,6 +106,11 @@
       </a:defRPr>
     </a:lvl9pPr>
   </p:defaultTextStyle>
+  <p:extLst>
+    <p:ext uri="{EFAFB233-063F-42B5-8137-9DF3F51BA10A}">
+      <p15:sldGuideLst xmlns:p15="http://schemas.microsoft.com/office/powerpoint/2012/main"/>
+    </p:ext>
+  </p:extLst>
 </p:presentation>
 </file>
 
@@ -256,7 +263,7 @@
           <a:p>
             <a:fld id="{AF2BA197-918F-5F4A-BC3F-221DF8005D07}" type="datetimeFigureOut">
               <a:rPr lang="nl-BE" smtClean="0"/>
-              <a:t>21/05/2023</a:t>
+              <a:t>5/06/2023</a:t>
             </a:fld>
             <a:endParaRPr lang="nl-BE"/>
           </a:p>
@@ -456,7 +463,7 @@
           <a:p>
             <a:fld id="{AF2BA197-918F-5F4A-BC3F-221DF8005D07}" type="datetimeFigureOut">
               <a:rPr lang="nl-BE" smtClean="0"/>
-              <a:t>21/05/2023</a:t>
+              <a:t>5/06/2023</a:t>
             </a:fld>
             <a:endParaRPr lang="nl-BE"/>
           </a:p>
@@ -666,7 +673,7 @@
           <a:p>
             <a:fld id="{AF2BA197-918F-5F4A-BC3F-221DF8005D07}" type="datetimeFigureOut">
               <a:rPr lang="nl-BE" smtClean="0"/>
-              <a:t>21/05/2023</a:t>
+              <a:t>5/06/2023</a:t>
             </a:fld>
             <a:endParaRPr lang="nl-BE"/>
           </a:p>
@@ -866,7 +873,7 @@
           <a:p>
             <a:fld id="{AF2BA197-918F-5F4A-BC3F-221DF8005D07}" type="datetimeFigureOut">
               <a:rPr lang="nl-BE" smtClean="0"/>
-              <a:t>21/05/2023</a:t>
+              <a:t>5/06/2023</a:t>
             </a:fld>
             <a:endParaRPr lang="nl-BE"/>
           </a:p>
@@ -1142,7 +1149,7 @@
           <a:p>
             <a:fld id="{AF2BA197-918F-5F4A-BC3F-221DF8005D07}" type="datetimeFigureOut">
               <a:rPr lang="nl-BE" smtClean="0"/>
-              <a:t>21/05/2023</a:t>
+              <a:t>5/06/2023</a:t>
             </a:fld>
             <a:endParaRPr lang="nl-BE"/>
           </a:p>
@@ -1410,7 +1417,7 @@
           <a:p>
             <a:fld id="{AF2BA197-918F-5F4A-BC3F-221DF8005D07}" type="datetimeFigureOut">
               <a:rPr lang="nl-BE" smtClean="0"/>
-              <a:t>21/05/2023</a:t>
+              <a:t>5/06/2023</a:t>
             </a:fld>
             <a:endParaRPr lang="nl-BE"/>
           </a:p>
@@ -1825,7 +1832,7 @@
           <a:p>
             <a:fld id="{AF2BA197-918F-5F4A-BC3F-221DF8005D07}" type="datetimeFigureOut">
               <a:rPr lang="nl-BE" smtClean="0"/>
-              <a:t>21/05/2023</a:t>
+              <a:t>5/06/2023</a:t>
             </a:fld>
             <a:endParaRPr lang="nl-BE"/>
           </a:p>
@@ -1967,7 +1974,7 @@
           <a:p>
             <a:fld id="{AF2BA197-918F-5F4A-BC3F-221DF8005D07}" type="datetimeFigureOut">
               <a:rPr lang="nl-BE" smtClean="0"/>
-              <a:t>21/05/2023</a:t>
+              <a:t>5/06/2023</a:t>
             </a:fld>
             <a:endParaRPr lang="nl-BE"/>
           </a:p>
@@ -2080,7 +2087,7 @@
           <a:p>
             <a:fld id="{AF2BA197-918F-5F4A-BC3F-221DF8005D07}" type="datetimeFigureOut">
               <a:rPr lang="nl-BE" smtClean="0"/>
-              <a:t>21/05/2023</a:t>
+              <a:t>5/06/2023</a:t>
             </a:fld>
             <a:endParaRPr lang="nl-BE"/>
           </a:p>
@@ -2393,7 +2400,7 @@
           <a:p>
             <a:fld id="{AF2BA197-918F-5F4A-BC3F-221DF8005D07}" type="datetimeFigureOut">
               <a:rPr lang="nl-BE" smtClean="0"/>
-              <a:t>21/05/2023</a:t>
+              <a:t>5/06/2023</a:t>
             </a:fld>
             <a:endParaRPr lang="nl-BE"/>
           </a:p>
@@ -2682,7 +2689,7 @@
           <a:p>
             <a:fld id="{AF2BA197-918F-5F4A-BC3F-221DF8005D07}" type="datetimeFigureOut">
               <a:rPr lang="nl-BE" smtClean="0"/>
-              <a:t>21/05/2023</a:t>
+              <a:t>5/06/2023</a:t>
             </a:fld>
             <a:endParaRPr lang="nl-BE"/>
           </a:p>
@@ -2925,7 +2932,7 @@
           <a:p>
             <a:fld id="{AF2BA197-918F-5F4A-BC3F-221DF8005D07}" type="datetimeFigureOut">
               <a:rPr lang="nl-BE" smtClean="0"/>
-              <a:t>21/05/2023</a:t>
+              <a:t>5/06/2023</a:t>
             </a:fld>
             <a:endParaRPr lang="nl-BE"/>
           </a:p>
@@ -3733,6 +3740,1147 @@
 </p:sld>
 </file>
 
+<file path=ppt/slides/slide2.xml><?xml version="1.0" encoding="utf-8"?>
+<p:sld xmlns:a="http://schemas.openxmlformats.org/drawingml/2006/main" xmlns:r="http://schemas.openxmlformats.org/officeDocument/2006/relationships" xmlns:p="http://schemas.openxmlformats.org/presentationml/2006/main">
+  <p:cSld>
+    <p:spTree>
+      <p:nvGrpSpPr>
+        <p:cNvPr id="1" name=""/>
+        <p:cNvGrpSpPr/>
+        <p:nvPr/>
+      </p:nvGrpSpPr>
+      <p:grpSpPr>
+        <a:xfrm>
+          <a:off x="0" y="0"/>
+          <a:ext cx="0" cy="0"/>
+          <a:chOff x="0" y="0"/>
+          <a:chExt cx="0" cy="0"/>
+        </a:xfrm>
+      </p:grpSpPr>
+      <p:sp>
+        <p:nvSpPr>
+          <p:cNvPr id="5" name="Afgeronde rechthoek 4">
+            <a:extLst>
+              <a:ext uri="{FF2B5EF4-FFF2-40B4-BE49-F238E27FC236}">
+                <a16:creationId xmlns:a16="http://schemas.microsoft.com/office/drawing/2014/main" id="{E2AD8E16-CA72-B362-19C9-661D49309C6B}"/>
+              </a:ext>
+            </a:extLst>
+          </p:cNvPr>
+          <p:cNvSpPr/>
+          <p:nvPr/>
+        </p:nvSpPr>
+        <p:spPr>
+          <a:xfrm>
+            <a:off x="1660634" y="1744717"/>
+            <a:ext cx="2280745" cy="3100552"/>
+          </a:xfrm>
+          <a:prstGeom prst="roundRect">
+            <a:avLst/>
+          </a:prstGeom>
+        </p:spPr>
+        <p:style>
+          <a:lnRef idx="2">
+            <a:schemeClr val="accent1">
+              <a:shade val="50000"/>
+            </a:schemeClr>
+          </a:lnRef>
+          <a:fillRef idx="1">
+            <a:schemeClr val="accent1"/>
+          </a:fillRef>
+          <a:effectRef idx="0">
+            <a:schemeClr val="accent1"/>
+          </a:effectRef>
+          <a:fontRef idx="minor">
+            <a:schemeClr val="lt1"/>
+          </a:fontRef>
+        </p:style>
+        <p:txBody>
+          <a:bodyPr rtlCol="0" anchor="ctr"/>
+          <a:lstStyle/>
+          <a:p>
+            <a:pPr algn="ctr"/>
+            <a:r>
+              <a:rPr lang="nl-BE" dirty="0"/>
+              <a:t>Client</a:t>
+            </a:r>
+          </a:p>
+        </p:txBody>
+      </p:sp>
+      <p:sp>
+        <p:nvSpPr>
+          <p:cNvPr id="6" name="Afgeronde rechthoek 5">
+            <a:extLst>
+              <a:ext uri="{FF2B5EF4-FFF2-40B4-BE49-F238E27FC236}">
+                <a16:creationId xmlns:a16="http://schemas.microsoft.com/office/drawing/2014/main" id="{18DA8E2B-32E8-1293-138E-A4F572364ADB}"/>
+              </a:ext>
+            </a:extLst>
+          </p:cNvPr>
+          <p:cNvSpPr/>
+          <p:nvPr/>
+        </p:nvSpPr>
+        <p:spPr>
+          <a:xfrm>
+            <a:off x="7110250" y="1744717"/>
+            <a:ext cx="2280745" cy="3100552"/>
+          </a:xfrm>
+          <a:prstGeom prst="roundRect">
+            <a:avLst/>
+          </a:prstGeom>
+          <a:solidFill>
+            <a:srgbClr val="C1504D"/>
+          </a:solidFill>
+          <a:ln>
+            <a:solidFill>
+              <a:srgbClr val="A14241"/>
+            </a:solidFill>
+          </a:ln>
+        </p:spPr>
+        <p:style>
+          <a:lnRef idx="2">
+            <a:schemeClr val="accent1">
+              <a:shade val="50000"/>
+            </a:schemeClr>
+          </a:lnRef>
+          <a:fillRef idx="1">
+            <a:schemeClr val="accent1"/>
+          </a:fillRef>
+          <a:effectRef idx="0">
+            <a:schemeClr val="accent1"/>
+          </a:effectRef>
+          <a:fontRef idx="minor">
+            <a:schemeClr val="lt1"/>
+          </a:fontRef>
+        </p:style>
+        <p:txBody>
+          <a:bodyPr rtlCol="0" anchor="ctr"/>
+          <a:lstStyle/>
+          <a:p>
+            <a:pPr algn="ctr"/>
+            <a:r>
+              <a:rPr lang="nl-BE" dirty="0"/>
+              <a:t>Server</a:t>
+            </a:r>
+          </a:p>
+        </p:txBody>
+      </p:sp>
+      <p:sp>
+        <p:nvSpPr>
+          <p:cNvPr id="9" name="Pijl links 8">
+            <a:extLst>
+              <a:ext uri="{FF2B5EF4-FFF2-40B4-BE49-F238E27FC236}">
+                <a16:creationId xmlns:a16="http://schemas.microsoft.com/office/drawing/2014/main" id="{C40C9435-7279-ED2A-CFEF-1E01E2AE4C7E}"/>
+              </a:ext>
+            </a:extLst>
+          </p:cNvPr>
+          <p:cNvSpPr/>
+          <p:nvPr/>
+        </p:nvSpPr>
+        <p:spPr>
+          <a:xfrm>
+            <a:off x="3941379" y="2196662"/>
+            <a:ext cx="3168871" cy="367862"/>
+          </a:xfrm>
+          <a:prstGeom prst="rightArrow">
+            <a:avLst/>
+          </a:prstGeom>
+        </p:spPr>
+        <p:style>
+          <a:lnRef idx="2">
+            <a:schemeClr val="accent1">
+              <a:shade val="50000"/>
+            </a:schemeClr>
+          </a:lnRef>
+          <a:fillRef idx="1">
+            <a:schemeClr val="accent1"/>
+          </a:fillRef>
+          <a:effectRef idx="0">
+            <a:schemeClr val="accent1"/>
+          </a:effectRef>
+          <a:fontRef idx="minor">
+            <a:schemeClr val="lt1"/>
+          </a:fontRef>
+        </p:style>
+        <p:txBody>
+          <a:bodyPr rtlCol="0" anchor="ctr"/>
+          <a:lstStyle/>
+          <a:p>
+            <a:pPr algn="ctr"/>
+            <a:endParaRPr lang="nl-BE"/>
+          </a:p>
+        </p:txBody>
+      </p:sp>
+      <p:sp>
+        <p:nvSpPr>
+          <p:cNvPr id="10" name="Tekstvak 9">
+            <a:extLst>
+              <a:ext uri="{FF2B5EF4-FFF2-40B4-BE49-F238E27FC236}">
+                <a16:creationId xmlns:a16="http://schemas.microsoft.com/office/drawing/2014/main" id="{5C197A9A-6A59-4EF7-86B8-BC4B3D90A05D}"/>
+              </a:ext>
+            </a:extLst>
+          </p:cNvPr>
+          <p:cNvSpPr txBox="1"/>
+          <p:nvPr/>
+        </p:nvSpPr>
+        <p:spPr>
+          <a:xfrm>
+            <a:off x="4733354" y="1902372"/>
+            <a:ext cx="1584921" cy="369332"/>
+          </a:xfrm>
+          <a:prstGeom prst="rect">
+            <a:avLst/>
+          </a:prstGeom>
+          <a:noFill/>
+        </p:spPr>
+        <p:txBody>
+          <a:bodyPr wrap="none" rtlCol="0">
+            <a:spAutoFit/>
+          </a:bodyPr>
+          <a:lstStyle/>
+          <a:p>
+            <a:r>
+              <a:rPr lang="nl-BE" dirty="0"/>
+              <a:t>Initial request </a:t>
+            </a:r>
+          </a:p>
+        </p:txBody>
+      </p:sp>
+      <p:sp>
+        <p:nvSpPr>
+          <p:cNvPr id="11" name="Pijl links 10">
+            <a:extLst>
+              <a:ext uri="{FF2B5EF4-FFF2-40B4-BE49-F238E27FC236}">
+                <a16:creationId xmlns:a16="http://schemas.microsoft.com/office/drawing/2014/main" id="{386CB08F-C54F-28B3-884A-FAA53F88FCA4}"/>
+              </a:ext>
+            </a:extLst>
+          </p:cNvPr>
+          <p:cNvSpPr/>
+          <p:nvPr/>
+        </p:nvSpPr>
+        <p:spPr>
+          <a:xfrm rot="10800000">
+            <a:off x="3941378" y="2832538"/>
+            <a:ext cx="3168871" cy="367862"/>
+          </a:xfrm>
+          <a:prstGeom prst="rightArrow">
+            <a:avLst/>
+          </a:prstGeom>
+          <a:solidFill>
+            <a:srgbClr val="C1504D"/>
+          </a:solidFill>
+          <a:ln>
+            <a:solidFill>
+              <a:srgbClr val="A14241"/>
+            </a:solidFill>
+          </a:ln>
+        </p:spPr>
+        <p:style>
+          <a:lnRef idx="2">
+            <a:schemeClr val="accent1">
+              <a:shade val="50000"/>
+            </a:schemeClr>
+          </a:lnRef>
+          <a:fillRef idx="1">
+            <a:schemeClr val="accent1"/>
+          </a:fillRef>
+          <a:effectRef idx="0">
+            <a:schemeClr val="accent1"/>
+          </a:effectRef>
+          <a:fontRef idx="minor">
+            <a:schemeClr val="lt1"/>
+          </a:fontRef>
+        </p:style>
+        <p:txBody>
+          <a:bodyPr rtlCol="0" anchor="ctr"/>
+          <a:lstStyle/>
+          <a:p>
+            <a:pPr algn="ctr"/>
+            <a:endParaRPr lang="nl-BE"/>
+          </a:p>
+        </p:txBody>
+      </p:sp>
+      <p:sp>
+        <p:nvSpPr>
+          <p:cNvPr id="12" name="Tekstvak 11">
+            <a:extLst>
+              <a:ext uri="{FF2B5EF4-FFF2-40B4-BE49-F238E27FC236}">
+                <a16:creationId xmlns:a16="http://schemas.microsoft.com/office/drawing/2014/main" id="{314B1EB3-8151-03CD-D390-EB3FE631BF20}"/>
+              </a:ext>
+            </a:extLst>
+          </p:cNvPr>
+          <p:cNvSpPr txBox="1"/>
+          <p:nvPr/>
+        </p:nvSpPr>
+        <p:spPr>
+          <a:xfrm>
+            <a:off x="4363065" y="2567519"/>
+            <a:ext cx="2455416" cy="369332"/>
+          </a:xfrm>
+          <a:prstGeom prst="rect">
+            <a:avLst/>
+          </a:prstGeom>
+          <a:noFill/>
+        </p:spPr>
+        <p:txBody>
+          <a:bodyPr wrap="none" rtlCol="0">
+            <a:spAutoFit/>
+          </a:bodyPr>
+          <a:lstStyle/>
+          <a:p>
+            <a:r>
+              <a:rPr lang="nl-BE" dirty="0"/>
+              <a:t>Files (HTML, scripts, css)</a:t>
+            </a:r>
+          </a:p>
+        </p:txBody>
+      </p:sp>
+      <p:sp>
+        <p:nvSpPr>
+          <p:cNvPr id="13" name="Pijl links 12">
+            <a:extLst>
+              <a:ext uri="{FF2B5EF4-FFF2-40B4-BE49-F238E27FC236}">
+                <a16:creationId xmlns:a16="http://schemas.microsoft.com/office/drawing/2014/main" id="{6A45A28A-E927-AB17-D8AA-D633BAFA3320}"/>
+              </a:ext>
+            </a:extLst>
+          </p:cNvPr>
+          <p:cNvSpPr/>
+          <p:nvPr/>
+        </p:nvSpPr>
+        <p:spPr>
+          <a:xfrm>
+            <a:off x="3941378" y="3507828"/>
+            <a:ext cx="3168871" cy="367862"/>
+          </a:xfrm>
+          <a:prstGeom prst="rightArrow">
+            <a:avLst/>
+          </a:prstGeom>
+        </p:spPr>
+        <p:style>
+          <a:lnRef idx="2">
+            <a:schemeClr val="accent1">
+              <a:shade val="50000"/>
+            </a:schemeClr>
+          </a:lnRef>
+          <a:fillRef idx="1">
+            <a:schemeClr val="accent1"/>
+          </a:fillRef>
+          <a:effectRef idx="0">
+            <a:schemeClr val="accent1"/>
+          </a:effectRef>
+          <a:fontRef idx="minor">
+            <a:schemeClr val="lt1"/>
+          </a:fontRef>
+        </p:style>
+        <p:txBody>
+          <a:bodyPr rtlCol="0" anchor="ctr"/>
+          <a:lstStyle/>
+          <a:p>
+            <a:pPr algn="ctr"/>
+            <a:endParaRPr lang="nl-BE"/>
+          </a:p>
+        </p:txBody>
+      </p:sp>
+      <p:sp>
+        <p:nvSpPr>
+          <p:cNvPr id="14" name="Tekstvak 13">
+            <a:extLst>
+              <a:ext uri="{FF2B5EF4-FFF2-40B4-BE49-F238E27FC236}">
+                <a16:creationId xmlns:a16="http://schemas.microsoft.com/office/drawing/2014/main" id="{00D626C2-ECDD-B6DE-699E-3F51D5E87A28}"/>
+              </a:ext>
+            </a:extLst>
+          </p:cNvPr>
+          <p:cNvSpPr txBox="1"/>
+          <p:nvPr/>
+        </p:nvSpPr>
+        <p:spPr>
+          <a:xfrm>
+            <a:off x="5178315" y="3236974"/>
+            <a:ext cx="694998" cy="369332"/>
+          </a:xfrm>
+          <a:prstGeom prst="rect">
+            <a:avLst/>
+          </a:prstGeom>
+          <a:noFill/>
+        </p:spPr>
+        <p:txBody>
+          <a:bodyPr wrap="none" rtlCol="0">
+            <a:spAutoFit/>
+          </a:bodyPr>
+          <a:lstStyle/>
+          <a:p>
+            <a:r>
+              <a:rPr lang="nl-BE" dirty="0"/>
+              <a:t>Fetch</a:t>
+            </a:r>
+          </a:p>
+        </p:txBody>
+      </p:sp>
+      <p:sp>
+        <p:nvSpPr>
+          <p:cNvPr id="15" name="Pijl links 14">
+            <a:extLst>
+              <a:ext uri="{FF2B5EF4-FFF2-40B4-BE49-F238E27FC236}">
+                <a16:creationId xmlns:a16="http://schemas.microsoft.com/office/drawing/2014/main" id="{ACAB1CF7-08F2-0126-4ABB-010DC4A15C3A}"/>
+              </a:ext>
+            </a:extLst>
+          </p:cNvPr>
+          <p:cNvSpPr/>
+          <p:nvPr/>
+        </p:nvSpPr>
+        <p:spPr>
+          <a:xfrm rot="10800000">
+            <a:off x="3941378" y="4183117"/>
+            <a:ext cx="3168871" cy="367862"/>
+          </a:xfrm>
+          <a:prstGeom prst="rightArrow">
+            <a:avLst/>
+          </a:prstGeom>
+          <a:solidFill>
+            <a:srgbClr val="C1504D"/>
+          </a:solidFill>
+          <a:ln>
+            <a:solidFill>
+              <a:srgbClr val="A14241"/>
+            </a:solidFill>
+          </a:ln>
+        </p:spPr>
+        <p:style>
+          <a:lnRef idx="2">
+            <a:schemeClr val="accent1">
+              <a:shade val="50000"/>
+            </a:schemeClr>
+          </a:lnRef>
+          <a:fillRef idx="1">
+            <a:schemeClr val="accent1"/>
+          </a:fillRef>
+          <a:effectRef idx="0">
+            <a:schemeClr val="accent1"/>
+          </a:effectRef>
+          <a:fontRef idx="minor">
+            <a:schemeClr val="lt1"/>
+          </a:fontRef>
+        </p:style>
+        <p:txBody>
+          <a:bodyPr rtlCol="0" anchor="ctr"/>
+          <a:lstStyle/>
+          <a:p>
+            <a:pPr algn="ctr"/>
+            <a:endParaRPr lang="nl-BE"/>
+          </a:p>
+        </p:txBody>
+      </p:sp>
+      <p:sp>
+        <p:nvSpPr>
+          <p:cNvPr id="16" name="Tekstvak 15">
+            <a:extLst>
+              <a:ext uri="{FF2B5EF4-FFF2-40B4-BE49-F238E27FC236}">
+                <a16:creationId xmlns:a16="http://schemas.microsoft.com/office/drawing/2014/main" id="{9460CA62-C674-8C99-91C5-34BF029C6B9A}"/>
+              </a:ext>
+            </a:extLst>
+          </p:cNvPr>
+          <p:cNvSpPr txBox="1"/>
+          <p:nvPr/>
+        </p:nvSpPr>
+        <p:spPr>
+          <a:xfrm>
+            <a:off x="5193029" y="3918890"/>
+            <a:ext cx="665567" cy="369332"/>
+          </a:xfrm>
+          <a:prstGeom prst="rect">
+            <a:avLst/>
+          </a:prstGeom>
+          <a:noFill/>
+        </p:spPr>
+        <p:txBody>
+          <a:bodyPr wrap="none" rtlCol="0">
+            <a:spAutoFit/>
+          </a:bodyPr>
+          <a:lstStyle/>
+          <a:p>
+            <a:r>
+              <a:rPr lang="nl-BE" dirty="0"/>
+              <a:t>JSON</a:t>
+            </a:r>
+          </a:p>
+        </p:txBody>
+      </p:sp>
+      <p:sp>
+        <p:nvSpPr>
+          <p:cNvPr id="17" name="Tekstvak 16">
+            <a:extLst>
+              <a:ext uri="{FF2B5EF4-FFF2-40B4-BE49-F238E27FC236}">
+                <a16:creationId xmlns:a16="http://schemas.microsoft.com/office/drawing/2014/main" id="{3C2F92B3-0432-9D17-24DC-5DA584D0CAF9}"/>
+              </a:ext>
+            </a:extLst>
+          </p:cNvPr>
+          <p:cNvSpPr txBox="1"/>
+          <p:nvPr/>
+        </p:nvSpPr>
+        <p:spPr>
+          <a:xfrm>
+            <a:off x="4642185" y="896796"/>
+            <a:ext cx="1767254" cy="461665"/>
+          </a:xfrm>
+          <a:prstGeom prst="rect">
+            <a:avLst/>
+          </a:prstGeom>
+          <a:noFill/>
+        </p:spPr>
+        <p:txBody>
+          <a:bodyPr wrap="square" rtlCol="0">
+            <a:spAutoFit/>
+          </a:bodyPr>
+          <a:lstStyle/>
+          <a:p>
+            <a:r>
+              <a:rPr lang="nl-BE" sz="2400" dirty="0"/>
+              <a:t>SPA Lifecycle</a:t>
+            </a:r>
+          </a:p>
+        </p:txBody>
+      </p:sp>
+      <p:sp>
+        <p:nvSpPr>
+          <p:cNvPr id="19" name="Kader 18">
+            <a:extLst>
+              <a:ext uri="{FF2B5EF4-FFF2-40B4-BE49-F238E27FC236}">
+                <a16:creationId xmlns:a16="http://schemas.microsoft.com/office/drawing/2014/main" id="{8397C6C1-00FA-A3B4-A673-7AD0DB502282}"/>
+              </a:ext>
+            </a:extLst>
+          </p:cNvPr>
+          <p:cNvSpPr/>
+          <p:nvPr/>
+        </p:nvSpPr>
+        <p:spPr>
+          <a:xfrm>
+            <a:off x="826477" y="175846"/>
+            <a:ext cx="9557238" cy="5468816"/>
+          </a:xfrm>
+          <a:prstGeom prst="frame">
+            <a:avLst/>
+          </a:prstGeom>
+          <a:noFill/>
+          <a:ln w="0">
+            <a:solidFill>
+              <a:schemeClr val="accent1">
+                <a:shade val="50000"/>
+              </a:schemeClr>
+            </a:solidFill>
+          </a:ln>
+        </p:spPr>
+        <p:style>
+          <a:lnRef idx="2">
+            <a:schemeClr val="accent1">
+              <a:shade val="50000"/>
+            </a:schemeClr>
+          </a:lnRef>
+          <a:fillRef idx="1">
+            <a:schemeClr val="accent1"/>
+          </a:fillRef>
+          <a:effectRef idx="0">
+            <a:schemeClr val="accent1"/>
+          </a:effectRef>
+          <a:fontRef idx="minor">
+            <a:schemeClr val="lt1"/>
+          </a:fontRef>
+        </p:style>
+        <p:txBody>
+          <a:bodyPr rtlCol="0" anchor="ctr"/>
+          <a:lstStyle/>
+          <a:p>
+            <a:pPr algn="ctr"/>
+            <a:endParaRPr lang="nl-BE">
+              <a:solidFill>
+                <a:schemeClr val="tx1"/>
+              </a:solidFill>
+            </a:endParaRPr>
+          </a:p>
+        </p:txBody>
+      </p:sp>
+    </p:spTree>
+    <p:extLst>
+      <p:ext uri="{BB962C8B-B14F-4D97-AF65-F5344CB8AC3E}">
+        <p14:creationId xmlns:p14="http://schemas.microsoft.com/office/powerpoint/2010/main" val="829262549"/>
+      </p:ext>
+    </p:extLst>
+  </p:cSld>
+  <p:clrMapOvr>
+    <a:masterClrMapping/>
+  </p:clrMapOvr>
+</p:sld>
+</file>
+
+<file path=ppt/slides/slide3.xml><?xml version="1.0" encoding="utf-8"?>
+<p:sld xmlns:a="http://schemas.openxmlformats.org/drawingml/2006/main" xmlns:r="http://schemas.openxmlformats.org/officeDocument/2006/relationships" xmlns:p="http://schemas.openxmlformats.org/presentationml/2006/main">
+  <p:cSld>
+    <p:spTree>
+      <p:nvGrpSpPr>
+        <p:cNvPr id="1" name=""/>
+        <p:cNvGrpSpPr/>
+        <p:nvPr/>
+      </p:nvGrpSpPr>
+      <p:grpSpPr>
+        <a:xfrm>
+          <a:off x="0" y="0"/>
+          <a:ext cx="0" cy="0"/>
+          <a:chOff x="0" y="0"/>
+          <a:chExt cx="0" cy="0"/>
+        </a:xfrm>
+      </p:grpSpPr>
+      <p:sp>
+        <p:nvSpPr>
+          <p:cNvPr id="5" name="Afgeronde rechthoek 4">
+            <a:extLst>
+              <a:ext uri="{FF2B5EF4-FFF2-40B4-BE49-F238E27FC236}">
+                <a16:creationId xmlns:a16="http://schemas.microsoft.com/office/drawing/2014/main" id="{E2AD8E16-CA72-B362-19C9-661D49309C6B}"/>
+              </a:ext>
+            </a:extLst>
+          </p:cNvPr>
+          <p:cNvSpPr/>
+          <p:nvPr/>
+        </p:nvSpPr>
+        <p:spPr>
+          <a:xfrm>
+            <a:off x="1660634" y="1744717"/>
+            <a:ext cx="2280745" cy="3100552"/>
+          </a:xfrm>
+          <a:prstGeom prst="roundRect">
+            <a:avLst/>
+          </a:prstGeom>
+        </p:spPr>
+        <p:style>
+          <a:lnRef idx="2">
+            <a:schemeClr val="accent1">
+              <a:shade val="50000"/>
+            </a:schemeClr>
+          </a:lnRef>
+          <a:fillRef idx="1">
+            <a:schemeClr val="accent1"/>
+          </a:fillRef>
+          <a:effectRef idx="0">
+            <a:schemeClr val="accent1"/>
+          </a:effectRef>
+          <a:fontRef idx="minor">
+            <a:schemeClr val="lt1"/>
+          </a:fontRef>
+        </p:style>
+        <p:txBody>
+          <a:bodyPr rtlCol="0" anchor="ctr"/>
+          <a:lstStyle/>
+          <a:p>
+            <a:pPr algn="ctr"/>
+            <a:r>
+              <a:rPr lang="nl-BE" dirty="0"/>
+              <a:t>Client</a:t>
+            </a:r>
+          </a:p>
+        </p:txBody>
+      </p:sp>
+      <p:sp>
+        <p:nvSpPr>
+          <p:cNvPr id="6" name="Afgeronde rechthoek 5">
+            <a:extLst>
+              <a:ext uri="{FF2B5EF4-FFF2-40B4-BE49-F238E27FC236}">
+                <a16:creationId xmlns:a16="http://schemas.microsoft.com/office/drawing/2014/main" id="{18DA8E2B-32E8-1293-138E-A4F572364ADB}"/>
+              </a:ext>
+            </a:extLst>
+          </p:cNvPr>
+          <p:cNvSpPr/>
+          <p:nvPr/>
+        </p:nvSpPr>
+        <p:spPr>
+          <a:xfrm>
+            <a:off x="7110250" y="1744717"/>
+            <a:ext cx="2280745" cy="3100552"/>
+          </a:xfrm>
+          <a:prstGeom prst="roundRect">
+            <a:avLst/>
+          </a:prstGeom>
+          <a:solidFill>
+            <a:srgbClr val="C1504D"/>
+          </a:solidFill>
+          <a:ln>
+            <a:solidFill>
+              <a:srgbClr val="A14241"/>
+            </a:solidFill>
+          </a:ln>
+        </p:spPr>
+        <p:style>
+          <a:lnRef idx="2">
+            <a:schemeClr val="accent1">
+              <a:shade val="50000"/>
+            </a:schemeClr>
+          </a:lnRef>
+          <a:fillRef idx="1">
+            <a:schemeClr val="accent1"/>
+          </a:fillRef>
+          <a:effectRef idx="0">
+            <a:schemeClr val="accent1"/>
+          </a:effectRef>
+          <a:fontRef idx="minor">
+            <a:schemeClr val="lt1"/>
+          </a:fontRef>
+        </p:style>
+        <p:txBody>
+          <a:bodyPr rtlCol="0" anchor="ctr"/>
+          <a:lstStyle/>
+          <a:p>
+            <a:pPr algn="ctr"/>
+            <a:r>
+              <a:rPr lang="nl-BE" dirty="0"/>
+              <a:t>Server</a:t>
+            </a:r>
+          </a:p>
+        </p:txBody>
+      </p:sp>
+      <p:sp>
+        <p:nvSpPr>
+          <p:cNvPr id="9" name="Pijl links 8">
+            <a:extLst>
+              <a:ext uri="{FF2B5EF4-FFF2-40B4-BE49-F238E27FC236}">
+                <a16:creationId xmlns:a16="http://schemas.microsoft.com/office/drawing/2014/main" id="{C40C9435-7279-ED2A-CFEF-1E01E2AE4C7E}"/>
+              </a:ext>
+            </a:extLst>
+          </p:cNvPr>
+          <p:cNvSpPr/>
+          <p:nvPr/>
+        </p:nvSpPr>
+        <p:spPr>
+          <a:xfrm>
+            <a:off x="3941379" y="2196662"/>
+            <a:ext cx="3168871" cy="367862"/>
+          </a:xfrm>
+          <a:prstGeom prst="rightArrow">
+            <a:avLst/>
+          </a:prstGeom>
+        </p:spPr>
+        <p:style>
+          <a:lnRef idx="2">
+            <a:schemeClr val="accent1">
+              <a:shade val="50000"/>
+            </a:schemeClr>
+          </a:lnRef>
+          <a:fillRef idx="1">
+            <a:schemeClr val="accent1"/>
+          </a:fillRef>
+          <a:effectRef idx="0">
+            <a:schemeClr val="accent1"/>
+          </a:effectRef>
+          <a:fontRef idx="minor">
+            <a:schemeClr val="lt1"/>
+          </a:fontRef>
+        </p:style>
+        <p:txBody>
+          <a:bodyPr rtlCol="0" anchor="ctr"/>
+          <a:lstStyle/>
+          <a:p>
+            <a:pPr algn="ctr"/>
+            <a:endParaRPr lang="nl-BE"/>
+          </a:p>
+        </p:txBody>
+      </p:sp>
+      <p:sp>
+        <p:nvSpPr>
+          <p:cNvPr id="10" name="Tekstvak 9">
+            <a:extLst>
+              <a:ext uri="{FF2B5EF4-FFF2-40B4-BE49-F238E27FC236}">
+                <a16:creationId xmlns:a16="http://schemas.microsoft.com/office/drawing/2014/main" id="{5C197A9A-6A59-4EF7-86B8-BC4B3D90A05D}"/>
+              </a:ext>
+            </a:extLst>
+          </p:cNvPr>
+          <p:cNvSpPr txBox="1"/>
+          <p:nvPr/>
+        </p:nvSpPr>
+        <p:spPr>
+          <a:xfrm>
+            <a:off x="4733354" y="1902372"/>
+            <a:ext cx="1584921" cy="369332"/>
+          </a:xfrm>
+          <a:prstGeom prst="rect">
+            <a:avLst/>
+          </a:prstGeom>
+          <a:noFill/>
+        </p:spPr>
+        <p:txBody>
+          <a:bodyPr wrap="none" rtlCol="0">
+            <a:spAutoFit/>
+          </a:bodyPr>
+          <a:lstStyle/>
+          <a:p>
+            <a:r>
+              <a:rPr lang="nl-BE" dirty="0"/>
+              <a:t>Initial request </a:t>
+            </a:r>
+          </a:p>
+        </p:txBody>
+      </p:sp>
+      <p:sp>
+        <p:nvSpPr>
+          <p:cNvPr id="11" name="Pijl links 10">
+            <a:extLst>
+              <a:ext uri="{FF2B5EF4-FFF2-40B4-BE49-F238E27FC236}">
+                <a16:creationId xmlns:a16="http://schemas.microsoft.com/office/drawing/2014/main" id="{386CB08F-C54F-28B3-884A-FAA53F88FCA4}"/>
+              </a:ext>
+            </a:extLst>
+          </p:cNvPr>
+          <p:cNvSpPr/>
+          <p:nvPr/>
+        </p:nvSpPr>
+        <p:spPr>
+          <a:xfrm rot="10800000">
+            <a:off x="3941378" y="2832538"/>
+            <a:ext cx="3168871" cy="367862"/>
+          </a:xfrm>
+          <a:prstGeom prst="rightArrow">
+            <a:avLst/>
+          </a:prstGeom>
+          <a:solidFill>
+            <a:srgbClr val="C1504D"/>
+          </a:solidFill>
+          <a:ln>
+            <a:solidFill>
+              <a:srgbClr val="A14241"/>
+            </a:solidFill>
+          </a:ln>
+        </p:spPr>
+        <p:style>
+          <a:lnRef idx="2">
+            <a:schemeClr val="accent1">
+              <a:shade val="50000"/>
+            </a:schemeClr>
+          </a:lnRef>
+          <a:fillRef idx="1">
+            <a:schemeClr val="accent1"/>
+          </a:fillRef>
+          <a:effectRef idx="0">
+            <a:schemeClr val="accent1"/>
+          </a:effectRef>
+          <a:fontRef idx="minor">
+            <a:schemeClr val="lt1"/>
+          </a:fontRef>
+        </p:style>
+        <p:txBody>
+          <a:bodyPr rtlCol="0" anchor="ctr"/>
+          <a:lstStyle/>
+          <a:p>
+            <a:pPr algn="ctr"/>
+            <a:endParaRPr lang="nl-BE"/>
+          </a:p>
+        </p:txBody>
+      </p:sp>
+      <p:sp>
+        <p:nvSpPr>
+          <p:cNvPr id="12" name="Tekstvak 11">
+            <a:extLst>
+              <a:ext uri="{FF2B5EF4-FFF2-40B4-BE49-F238E27FC236}">
+                <a16:creationId xmlns:a16="http://schemas.microsoft.com/office/drawing/2014/main" id="{314B1EB3-8151-03CD-D390-EB3FE631BF20}"/>
+              </a:ext>
+            </a:extLst>
+          </p:cNvPr>
+          <p:cNvSpPr txBox="1"/>
+          <p:nvPr/>
+        </p:nvSpPr>
+        <p:spPr>
+          <a:xfrm>
+            <a:off x="4363065" y="2567519"/>
+            <a:ext cx="2455416" cy="369332"/>
+          </a:xfrm>
+          <a:prstGeom prst="rect">
+            <a:avLst/>
+          </a:prstGeom>
+          <a:noFill/>
+        </p:spPr>
+        <p:txBody>
+          <a:bodyPr wrap="none" rtlCol="0">
+            <a:spAutoFit/>
+          </a:bodyPr>
+          <a:lstStyle/>
+          <a:p>
+            <a:r>
+              <a:rPr lang="nl-BE" dirty="0"/>
+              <a:t>Files (HTML, scripts, css)</a:t>
+            </a:r>
+          </a:p>
+        </p:txBody>
+      </p:sp>
+      <p:sp>
+        <p:nvSpPr>
+          <p:cNvPr id="13" name="Pijl links 12">
+            <a:extLst>
+              <a:ext uri="{FF2B5EF4-FFF2-40B4-BE49-F238E27FC236}">
+                <a16:creationId xmlns:a16="http://schemas.microsoft.com/office/drawing/2014/main" id="{6A45A28A-E927-AB17-D8AA-D633BAFA3320}"/>
+              </a:ext>
+            </a:extLst>
+          </p:cNvPr>
+          <p:cNvSpPr/>
+          <p:nvPr/>
+        </p:nvSpPr>
+        <p:spPr>
+          <a:xfrm>
+            <a:off x="3941378" y="3507828"/>
+            <a:ext cx="3168871" cy="367862"/>
+          </a:xfrm>
+          <a:prstGeom prst="rightArrow">
+            <a:avLst/>
+          </a:prstGeom>
+        </p:spPr>
+        <p:style>
+          <a:lnRef idx="2">
+            <a:schemeClr val="accent1">
+              <a:shade val="50000"/>
+            </a:schemeClr>
+          </a:lnRef>
+          <a:fillRef idx="1">
+            <a:schemeClr val="accent1"/>
+          </a:fillRef>
+          <a:effectRef idx="0">
+            <a:schemeClr val="accent1"/>
+          </a:effectRef>
+          <a:fontRef idx="minor">
+            <a:schemeClr val="lt1"/>
+          </a:fontRef>
+        </p:style>
+        <p:txBody>
+          <a:bodyPr rtlCol="0" anchor="ctr"/>
+          <a:lstStyle/>
+          <a:p>
+            <a:pPr algn="ctr"/>
+            <a:endParaRPr lang="nl-BE"/>
+          </a:p>
+        </p:txBody>
+      </p:sp>
+      <p:sp>
+        <p:nvSpPr>
+          <p:cNvPr id="14" name="Tekstvak 13">
+            <a:extLst>
+              <a:ext uri="{FF2B5EF4-FFF2-40B4-BE49-F238E27FC236}">
+                <a16:creationId xmlns:a16="http://schemas.microsoft.com/office/drawing/2014/main" id="{00D626C2-ECDD-B6DE-699E-3F51D5E87A28}"/>
+              </a:ext>
+            </a:extLst>
+          </p:cNvPr>
+          <p:cNvSpPr txBox="1"/>
+          <p:nvPr/>
+        </p:nvSpPr>
+        <p:spPr>
+          <a:xfrm>
+            <a:off x="5178315" y="3236974"/>
+            <a:ext cx="671979" cy="369332"/>
+          </a:xfrm>
+          <a:prstGeom prst="rect">
+            <a:avLst/>
+          </a:prstGeom>
+          <a:noFill/>
+        </p:spPr>
+        <p:txBody>
+          <a:bodyPr wrap="none" rtlCol="0">
+            <a:spAutoFit/>
+          </a:bodyPr>
+          <a:lstStyle/>
+          <a:p>
+            <a:r>
+              <a:rPr lang="nl-BE" dirty="0"/>
+              <a:t>POST</a:t>
+            </a:r>
+          </a:p>
+        </p:txBody>
+      </p:sp>
+      <p:sp>
+        <p:nvSpPr>
+          <p:cNvPr id="15" name="Pijl links 14">
+            <a:extLst>
+              <a:ext uri="{FF2B5EF4-FFF2-40B4-BE49-F238E27FC236}">
+                <a16:creationId xmlns:a16="http://schemas.microsoft.com/office/drawing/2014/main" id="{ACAB1CF7-08F2-0126-4ABB-010DC4A15C3A}"/>
+              </a:ext>
+            </a:extLst>
+          </p:cNvPr>
+          <p:cNvSpPr/>
+          <p:nvPr/>
+        </p:nvSpPr>
+        <p:spPr>
+          <a:xfrm rot="10800000">
+            <a:off x="3941378" y="4183117"/>
+            <a:ext cx="3168871" cy="367862"/>
+          </a:xfrm>
+          <a:prstGeom prst="rightArrow">
+            <a:avLst/>
+          </a:prstGeom>
+          <a:solidFill>
+            <a:srgbClr val="C1504D"/>
+          </a:solidFill>
+          <a:ln>
+            <a:solidFill>
+              <a:srgbClr val="A14241"/>
+            </a:solidFill>
+          </a:ln>
+        </p:spPr>
+        <p:style>
+          <a:lnRef idx="2">
+            <a:schemeClr val="accent1">
+              <a:shade val="50000"/>
+            </a:schemeClr>
+          </a:lnRef>
+          <a:fillRef idx="1">
+            <a:schemeClr val="accent1"/>
+          </a:fillRef>
+          <a:effectRef idx="0">
+            <a:schemeClr val="accent1"/>
+          </a:effectRef>
+          <a:fontRef idx="minor">
+            <a:schemeClr val="lt1"/>
+          </a:fontRef>
+        </p:style>
+        <p:txBody>
+          <a:bodyPr rtlCol="0" anchor="ctr"/>
+          <a:lstStyle/>
+          <a:p>
+            <a:pPr algn="ctr"/>
+            <a:endParaRPr lang="nl-BE"/>
+          </a:p>
+        </p:txBody>
+      </p:sp>
+      <p:sp>
+        <p:nvSpPr>
+          <p:cNvPr id="16" name="Tekstvak 15">
+            <a:extLst>
+              <a:ext uri="{FF2B5EF4-FFF2-40B4-BE49-F238E27FC236}">
+                <a16:creationId xmlns:a16="http://schemas.microsoft.com/office/drawing/2014/main" id="{9460CA62-C674-8C99-91C5-34BF029C6B9A}"/>
+              </a:ext>
+            </a:extLst>
+          </p:cNvPr>
+          <p:cNvSpPr txBox="1"/>
+          <p:nvPr/>
+        </p:nvSpPr>
+        <p:spPr>
+          <a:xfrm>
+            <a:off x="4455261" y="3923681"/>
+            <a:ext cx="2455416" cy="646331"/>
+          </a:xfrm>
+          <a:prstGeom prst="rect">
+            <a:avLst/>
+          </a:prstGeom>
+          <a:noFill/>
+        </p:spPr>
+        <p:txBody>
+          <a:bodyPr wrap="none" rtlCol="0">
+            <a:spAutoFit/>
+          </a:bodyPr>
+          <a:lstStyle/>
+          <a:p>
+            <a:r>
+              <a:rPr lang="nl-BE" dirty="0"/>
+              <a:t>Files (HTML, scripts, css)</a:t>
+            </a:r>
+          </a:p>
+          <a:p>
+            <a:endParaRPr lang="nl-BE" dirty="0"/>
+          </a:p>
+        </p:txBody>
+      </p:sp>
+      <p:sp>
+        <p:nvSpPr>
+          <p:cNvPr id="17" name="Tekstvak 16">
+            <a:extLst>
+              <a:ext uri="{FF2B5EF4-FFF2-40B4-BE49-F238E27FC236}">
+                <a16:creationId xmlns:a16="http://schemas.microsoft.com/office/drawing/2014/main" id="{3C2F92B3-0432-9D17-24DC-5DA584D0CAF9}"/>
+              </a:ext>
+            </a:extLst>
+          </p:cNvPr>
+          <p:cNvSpPr txBox="1"/>
+          <p:nvPr/>
+        </p:nvSpPr>
+        <p:spPr>
+          <a:xfrm>
+            <a:off x="4536777" y="1156533"/>
+            <a:ext cx="1955053" cy="461665"/>
+          </a:xfrm>
+          <a:prstGeom prst="rect">
+            <a:avLst/>
+          </a:prstGeom>
+          <a:noFill/>
+        </p:spPr>
+        <p:txBody>
+          <a:bodyPr wrap="square" rtlCol="0">
+            <a:spAutoFit/>
+          </a:bodyPr>
+          <a:lstStyle/>
+          <a:p>
+            <a:r>
+              <a:rPr lang="nl-BE" sz="2400" dirty="0"/>
+              <a:t>MPA Lifecycle</a:t>
+            </a:r>
+          </a:p>
+        </p:txBody>
+      </p:sp>
+      <p:sp>
+        <p:nvSpPr>
+          <p:cNvPr id="19" name="Kader 18">
+            <a:extLst>
+              <a:ext uri="{FF2B5EF4-FFF2-40B4-BE49-F238E27FC236}">
+                <a16:creationId xmlns:a16="http://schemas.microsoft.com/office/drawing/2014/main" id="{8397C6C1-00FA-A3B4-A673-7AD0DB502282}"/>
+              </a:ext>
+            </a:extLst>
+          </p:cNvPr>
+          <p:cNvSpPr/>
+          <p:nvPr/>
+        </p:nvSpPr>
+        <p:spPr>
+          <a:xfrm>
+            <a:off x="826477" y="175846"/>
+            <a:ext cx="9557238" cy="5468816"/>
+          </a:xfrm>
+          <a:prstGeom prst="frame">
+            <a:avLst/>
+          </a:prstGeom>
+          <a:noFill/>
+          <a:ln w="0">
+            <a:solidFill>
+              <a:schemeClr val="accent1">
+                <a:shade val="50000"/>
+              </a:schemeClr>
+            </a:solidFill>
+          </a:ln>
+        </p:spPr>
+        <p:style>
+          <a:lnRef idx="2">
+            <a:schemeClr val="accent1">
+              <a:shade val="50000"/>
+            </a:schemeClr>
+          </a:lnRef>
+          <a:fillRef idx="1">
+            <a:schemeClr val="accent1"/>
+          </a:fillRef>
+          <a:effectRef idx="0">
+            <a:schemeClr val="accent1"/>
+          </a:effectRef>
+          <a:fontRef idx="minor">
+            <a:schemeClr val="lt1"/>
+          </a:fontRef>
+        </p:style>
+        <p:txBody>
+          <a:bodyPr rtlCol="0" anchor="ctr"/>
+          <a:lstStyle/>
+          <a:p>
+            <a:pPr algn="ctr"/>
+            <a:endParaRPr lang="nl-BE">
+              <a:solidFill>
+                <a:schemeClr val="tx1"/>
+              </a:solidFill>
+            </a:endParaRPr>
+          </a:p>
+        </p:txBody>
+      </p:sp>
+    </p:spTree>
+    <p:extLst>
+      <p:ext uri="{BB962C8B-B14F-4D97-AF65-F5344CB8AC3E}">
+        <p14:creationId xmlns:p14="http://schemas.microsoft.com/office/powerpoint/2010/main" val="3745637096"/>
+      </p:ext>
+    </p:extLst>
+  </p:cSld>
+  <p:clrMapOvr>
+    <a:masterClrMapping/>
+  </p:clrMapOvr>
+</p:sld>
+</file>
+
 <file path=ppt/theme/theme1.xml><?xml version="1.0" encoding="utf-8"?>
 <a:theme xmlns:a="http://schemas.openxmlformats.org/drawingml/2006/main" name="Kantoorthema">
   <a:themeElements>
